--- a/logo.pptx
+++ b/logo.pptx
@@ -104,6 +104,11 @@
       </a:defRPr>
     </a:lvl9pPr>
   </p:defaultTextStyle>
+  <p:extLst>
+    <p:ext uri="{EFAFB233-063F-42B5-8137-9DF3F51BA10A}">
+      <p15:sldGuideLst xmlns:p15="http://schemas.microsoft.com/office/powerpoint/2012/main"/>
+    </p:ext>
+  </p:extLst>
 </p:presentation>
 </file>
 
@@ -254,7 +259,7 @@
           <a:p>
             <a:fld id="{E3BAB270-C257-1A4B-99F7-A72723598E8F}" type="datetimeFigureOut">
               <a:rPr lang="en-US" smtClean="0"/>
-              <a:t>12/20/21</a:t>
+              <a:t>2/5/22</a:t>
             </a:fld>
             <a:endParaRPr lang="en-US"/>
           </a:p>
@@ -452,7 +457,7 @@
           <a:p>
             <a:fld id="{E3BAB270-C257-1A4B-99F7-A72723598E8F}" type="datetimeFigureOut">
               <a:rPr lang="en-US" smtClean="0"/>
-              <a:t>12/20/21</a:t>
+              <a:t>2/5/22</a:t>
             </a:fld>
             <a:endParaRPr lang="en-US"/>
           </a:p>
@@ -660,7 +665,7 @@
           <a:p>
             <a:fld id="{E3BAB270-C257-1A4B-99F7-A72723598E8F}" type="datetimeFigureOut">
               <a:rPr lang="en-US" smtClean="0"/>
-              <a:t>12/20/21</a:t>
+              <a:t>2/5/22</a:t>
             </a:fld>
             <a:endParaRPr lang="en-US"/>
           </a:p>
@@ -858,7 +863,7 @@
           <a:p>
             <a:fld id="{E3BAB270-C257-1A4B-99F7-A72723598E8F}" type="datetimeFigureOut">
               <a:rPr lang="en-US" smtClean="0"/>
-              <a:t>12/20/21</a:t>
+              <a:t>2/5/22</a:t>
             </a:fld>
             <a:endParaRPr lang="en-US"/>
           </a:p>
@@ -1133,7 +1138,7 @@
           <a:p>
             <a:fld id="{E3BAB270-C257-1A4B-99F7-A72723598E8F}" type="datetimeFigureOut">
               <a:rPr lang="en-US" smtClean="0"/>
-              <a:t>12/20/21</a:t>
+              <a:t>2/5/22</a:t>
             </a:fld>
             <a:endParaRPr lang="en-US"/>
           </a:p>
@@ -1398,7 +1403,7 @@
           <a:p>
             <a:fld id="{E3BAB270-C257-1A4B-99F7-A72723598E8F}" type="datetimeFigureOut">
               <a:rPr lang="en-US" smtClean="0"/>
-              <a:t>12/20/21</a:t>
+              <a:t>2/5/22</a:t>
             </a:fld>
             <a:endParaRPr lang="en-US"/>
           </a:p>
@@ -1810,7 +1815,7 @@
           <a:p>
             <a:fld id="{E3BAB270-C257-1A4B-99F7-A72723598E8F}" type="datetimeFigureOut">
               <a:rPr lang="en-US" smtClean="0"/>
-              <a:t>12/20/21</a:t>
+              <a:t>2/5/22</a:t>
             </a:fld>
             <a:endParaRPr lang="en-US"/>
           </a:p>
@@ -1951,7 +1956,7 @@
           <a:p>
             <a:fld id="{E3BAB270-C257-1A4B-99F7-A72723598E8F}" type="datetimeFigureOut">
               <a:rPr lang="en-US" smtClean="0"/>
-              <a:t>12/20/21</a:t>
+              <a:t>2/5/22</a:t>
             </a:fld>
             <a:endParaRPr lang="en-US"/>
           </a:p>
@@ -2064,7 +2069,7 @@
           <a:p>
             <a:fld id="{E3BAB270-C257-1A4B-99F7-A72723598E8F}" type="datetimeFigureOut">
               <a:rPr lang="en-US" smtClean="0"/>
-              <a:t>12/20/21</a:t>
+              <a:t>2/5/22</a:t>
             </a:fld>
             <a:endParaRPr lang="en-US"/>
           </a:p>
@@ -2375,7 +2380,7 @@
           <a:p>
             <a:fld id="{E3BAB270-C257-1A4B-99F7-A72723598E8F}" type="datetimeFigureOut">
               <a:rPr lang="en-US" smtClean="0"/>
-              <a:t>12/20/21</a:t>
+              <a:t>2/5/22</a:t>
             </a:fld>
             <a:endParaRPr lang="en-US"/>
           </a:p>
@@ -2663,7 +2668,7 @@
           <a:p>
             <a:fld id="{E3BAB270-C257-1A4B-99F7-A72723598E8F}" type="datetimeFigureOut">
               <a:rPr lang="en-US" smtClean="0"/>
-              <a:t>12/20/21</a:t>
+              <a:t>2/5/22</a:t>
             </a:fld>
             <a:endParaRPr lang="en-US"/>
           </a:p>
@@ -2904,7 +2909,7 @@
           <a:p>
             <a:fld id="{E3BAB270-C257-1A4B-99F7-A72723598E8F}" type="datetimeFigureOut">
               <a:rPr lang="en-US" smtClean="0"/>
-              <a:t>12/20/21</a:t>
+              <a:t>2/5/22</a:t>
             </a:fld>
             <a:endParaRPr lang="en-US"/>
           </a:p>
@@ -3495,6 +3500,129 @@
           </a:p>
         </p:txBody>
       </p:sp>
+      <p:pic>
+        <p:nvPicPr>
+          <p:cNvPr id="3" name="Picture 2">
+            <a:extLst>
+              <a:ext uri="{FF2B5EF4-FFF2-40B4-BE49-F238E27FC236}">
+                <a16:creationId xmlns:a16="http://schemas.microsoft.com/office/drawing/2014/main" id="{7DE608A6-C7A1-464C-8966-50A68A6109D4}"/>
+              </a:ext>
+            </a:extLst>
+          </p:cNvPr>
+          <p:cNvPicPr>
+            <a:picLocks noChangeAspect="1"/>
+          </p:cNvPicPr>
+          <p:nvPr/>
+        </p:nvPicPr>
+        <p:blipFill>
+          <a:blip r:embed="rId2"/>
+          <a:stretch>
+            <a:fillRect/>
+          </a:stretch>
+        </p:blipFill>
+        <p:spPr>
+          <a:xfrm>
+            <a:off x="3429706" y="1522589"/>
+            <a:ext cx="342900" cy="381000"/>
+          </a:xfrm>
+          <a:prstGeom prst="rect">
+            <a:avLst/>
+          </a:prstGeom>
+        </p:spPr>
+      </p:pic>
+      <p:sp>
+        <p:nvSpPr>
+          <p:cNvPr id="5" name="Oval 4">
+            <a:extLst>
+              <a:ext uri="{FF2B5EF4-FFF2-40B4-BE49-F238E27FC236}">
+                <a16:creationId xmlns:a16="http://schemas.microsoft.com/office/drawing/2014/main" id="{67297D46-94AF-7946-A2B6-3A015771B579}"/>
+              </a:ext>
+            </a:extLst>
+          </p:cNvPr>
+          <p:cNvSpPr/>
+          <p:nvPr/>
+        </p:nvSpPr>
+        <p:spPr>
+          <a:xfrm>
+            <a:off x="5768623" y="1422400"/>
+            <a:ext cx="654755" cy="654756"/>
+          </a:xfrm>
+          <a:prstGeom prst="ellipse">
+            <a:avLst/>
+          </a:prstGeom>
+          <a:solidFill>
+            <a:srgbClr val="7B68EE"/>
+          </a:solidFill>
+          <a:ln>
+            <a:noFill/>
+          </a:ln>
+        </p:spPr>
+        <p:style>
+          <a:lnRef idx="2">
+            <a:schemeClr val="accent1">
+              <a:shade val="50000"/>
+            </a:schemeClr>
+          </a:lnRef>
+          <a:fillRef idx="1">
+            <a:schemeClr val="accent1"/>
+          </a:fillRef>
+          <a:effectRef idx="0">
+            <a:schemeClr val="accent1"/>
+          </a:effectRef>
+          <a:fontRef idx="minor">
+            <a:schemeClr val="lt1"/>
+          </a:fontRef>
+        </p:style>
+        <p:txBody>
+          <a:bodyPr rtlCol="0" anchor="ctr"/>
+          <a:lstStyle/>
+          <a:p>
+            <a:pPr algn="ctr"/>
+            <a:endParaRPr lang="en-US"/>
+          </a:p>
+        </p:txBody>
+      </p:sp>
+      <p:sp>
+        <p:nvSpPr>
+          <p:cNvPr id="7" name="TextBox 6">
+            <a:extLst>
+              <a:ext uri="{FF2B5EF4-FFF2-40B4-BE49-F238E27FC236}">
+                <a16:creationId xmlns:a16="http://schemas.microsoft.com/office/drawing/2014/main" id="{529132C7-01B1-5F4E-9CE9-88FD1B15857B}"/>
+              </a:ext>
+            </a:extLst>
+          </p:cNvPr>
+          <p:cNvSpPr txBox="1"/>
+          <p:nvPr/>
+        </p:nvSpPr>
+        <p:spPr>
+          <a:xfrm>
+            <a:off x="5734756" y="1437424"/>
+            <a:ext cx="711200" cy="615553"/>
+          </a:xfrm>
+          <a:prstGeom prst="rect">
+            <a:avLst/>
+          </a:prstGeom>
+          <a:noFill/>
+        </p:spPr>
+        <p:txBody>
+          <a:bodyPr wrap="square" rtlCol="0">
+            <a:spAutoFit/>
+          </a:bodyPr>
+          <a:lstStyle/>
+          <a:p>
+            <a:pPr algn="ctr"/>
+            <a:r>
+              <a:rPr lang="en-US" sz="3400" b="1" dirty="0">
+                <a:solidFill>
+                  <a:schemeClr val="bg1"/>
+                </a:solidFill>
+                <a:latin typeface="Georgia" panose="02040502050405020303" pitchFamily="18" charset="0"/>
+              </a:rPr>
+              <a:t>C</a:t>
+            </a:r>
+          </a:p>
+        </p:txBody>
+      </p:sp>
     </p:spTree>
     <p:extLst>
       <p:ext uri="{BB962C8B-B14F-4D97-AF65-F5344CB8AC3E}">
